--- a/Chapter 2 - Subsystems&Commands/WPIlibCommandBasedRobot.pptx
+++ b/Chapter 2 - Subsystems&Commands/WPIlibCommandBasedRobot.pptx
@@ -269,7 +269,7 @@
       <p15:sldGuideLst xmlns:p15="http://schemas.microsoft.com/office/powerpoint/2012/main"/>
     </p:ext>
     <p:ext uri="http://customooxmlschemas.google.com/">
-      <go:slidesCustomData xmlns:go="http://customooxmlschemas.google.com/" xmlns:ahyp="http://schemas.microsoft.com/office/drawing/2018/hyperlinkcolor" xmlns:p15="http://schemas.microsoft.com/office/powerpoint/2012/main" xmlns:p14="http://schemas.microsoft.com/office/powerpoint/2010/main" xmlns:com="http://schemas.openxmlformats.org/drawingml/2006/compatibility" xmlns:pvml="urn:schemas-microsoft-com:office:powerpoint" xmlns:v="urn:schemas-microsoft-com:vml" xmlns:o="urn:schemas-microsoft-com:office:office" xmlns:dgm="http://schemas.openxmlformats.org/drawingml/2006/diagram" xmlns:c="http://schemas.openxmlformats.org/drawingml/2006/chart" xmlns:mv="urn:schemas-microsoft-com:mac:vml" xmlns:mc="http://schemas.openxmlformats.org/markup-compatibility/2006" xmlns="" r:id="rId38" roundtripDataSignature="AMtx7mhUVJU3jbxGl11X7yrLJ5REy1msmg=="/>
+      <go:slidesCustomData xmlns="" xmlns:mc="http://schemas.openxmlformats.org/markup-compatibility/2006" xmlns:mv="urn:schemas-microsoft-com:mac:vml" xmlns:c="http://schemas.openxmlformats.org/drawingml/2006/chart" xmlns:dgm="http://schemas.openxmlformats.org/drawingml/2006/diagram" xmlns:o="urn:schemas-microsoft-com:office:office" xmlns:v="urn:schemas-microsoft-com:vml" xmlns:pvml="urn:schemas-microsoft-com:office:powerpoint" xmlns:com="http://schemas.openxmlformats.org/drawingml/2006/compatibility" xmlns:p14="http://schemas.microsoft.com/office/powerpoint/2010/main" xmlns:p15="http://schemas.microsoft.com/office/powerpoint/2012/main" xmlns:ahyp="http://schemas.microsoft.com/office/drawing/2018/hyperlinkcolor" xmlns:go="http://customooxmlschemas.google.com/" r:id="rId38" roundtripDataSignature="AMtx7mhUVJU3jbxGl11X7yrLJ5REy1msmg=="/>
     </p:ext>
   </p:extLst>
 </p:presentation>
@@ -23937,7 +23937,13 @@
             </a:r>
             <a:r>
               <a:rPr lang="en-GB" i="1" dirty="0"/>
-              <a:t> is a helper class we created, you can view the source code here</a:t>
+              <a:t> is a helper class we created, you can view the source code </a:t>
+            </a:r>
+            <a:r>
+              <a:rPr lang="en-GB" i="1" dirty="0">
+                <a:hlinkClick r:id="rId5"/>
+              </a:rPr>
+              <a:t>here</a:t>
             </a:r>
             <a:endParaRPr lang="en-IL" b="1" i="1" dirty="0"/>
           </a:p>

--- a/Chapter 2 - Subsystems&Commands/WPIlibCommandBasedRobot.pptx
+++ b/Chapter 2 - Subsystems&Commands/WPIlibCommandBasedRobot.pptx
@@ -269,7 +269,7 @@
       <p15:sldGuideLst xmlns:p15="http://schemas.microsoft.com/office/powerpoint/2012/main"/>
     </p:ext>
     <p:ext uri="http://customooxmlschemas.google.com/">
-      <go:slidesCustomData xmlns="" xmlns:mc="http://schemas.openxmlformats.org/markup-compatibility/2006" xmlns:mv="urn:schemas-microsoft-com:mac:vml" xmlns:c="http://schemas.openxmlformats.org/drawingml/2006/chart" xmlns:dgm="http://schemas.openxmlformats.org/drawingml/2006/diagram" xmlns:o="urn:schemas-microsoft-com:office:office" xmlns:v="urn:schemas-microsoft-com:vml" xmlns:pvml="urn:schemas-microsoft-com:office:powerpoint" xmlns:com="http://schemas.openxmlformats.org/drawingml/2006/compatibility" xmlns:p14="http://schemas.microsoft.com/office/powerpoint/2010/main" xmlns:p15="http://schemas.microsoft.com/office/powerpoint/2012/main" xmlns:ahyp="http://schemas.microsoft.com/office/drawing/2018/hyperlinkcolor" xmlns:go="http://customooxmlschemas.google.com/" r:id="rId38" roundtripDataSignature="AMtx7mhUVJU3jbxGl11X7yrLJ5REy1msmg=="/>
+      <go:slidesCustomData xmlns:go="http://customooxmlschemas.google.com/" xmlns:ahyp="http://schemas.microsoft.com/office/drawing/2018/hyperlinkcolor" xmlns:p15="http://schemas.microsoft.com/office/powerpoint/2012/main" xmlns:p14="http://schemas.microsoft.com/office/powerpoint/2010/main" xmlns:com="http://schemas.openxmlformats.org/drawingml/2006/compatibility" xmlns:pvml="urn:schemas-microsoft-com:office:powerpoint" xmlns:v="urn:schemas-microsoft-com:vml" xmlns:o="urn:schemas-microsoft-com:office:office" xmlns:dgm="http://schemas.openxmlformats.org/drawingml/2006/diagram" xmlns:c="http://schemas.openxmlformats.org/drawingml/2006/chart" xmlns:mv="urn:schemas-microsoft-com:mac:vml" xmlns:mc="http://schemas.openxmlformats.org/markup-compatibility/2006" xmlns="" r:id="rId38" roundtripDataSignature="AMtx7mhUVJU3jbxGl11X7yrLJ5REy1msmg=="/>
     </p:ext>
   </p:extLst>
 </p:presentation>
@@ -23869,36 +23869,6 @@
           </a:p>
         </p:txBody>
       </p:sp>
-      <p:pic>
-        <p:nvPicPr>
-          <p:cNvPr id="11" name="Picture 10">
-            <a:extLst>
-              <a:ext uri="{FF2B5EF4-FFF2-40B4-BE49-F238E27FC236}">
-                <a16:creationId xmlns:a16="http://schemas.microsoft.com/office/drawing/2014/main" id="{14C5FDDB-E12D-B8A0-96D0-D82A5DADB849}"/>
-              </a:ext>
-            </a:extLst>
-          </p:cNvPr>
-          <p:cNvPicPr>
-            <a:picLocks noChangeAspect="1"/>
-          </p:cNvPicPr>
-          <p:nvPr/>
-        </p:nvPicPr>
-        <p:blipFill>
-          <a:blip r:embed="rId4"/>
-          <a:stretch>
-            <a:fillRect/>
-          </a:stretch>
-        </p:blipFill>
-        <p:spPr>
-          <a:xfrm>
-            <a:off x="233889" y="970547"/>
-            <a:ext cx="4231935" cy="4062845"/>
-          </a:xfrm>
-          <a:prstGeom prst="rect">
-            <a:avLst/>
-          </a:prstGeom>
-        </p:spPr>
-      </p:pic>
       <p:sp>
         <p:nvSpPr>
           <p:cNvPr id="3" name="TextBox 2">
@@ -23941,7 +23911,7 @@
             </a:r>
             <a:r>
               <a:rPr lang="en-GB" i="1" dirty="0">
-                <a:hlinkClick r:id="rId5"/>
+                <a:hlinkClick r:id="rId4"/>
               </a:rPr>
               <a:t>here</a:t>
             </a:r>
@@ -23949,6 +23919,36 @@
           </a:p>
         </p:txBody>
       </p:sp>
+      <p:pic>
+        <p:nvPicPr>
+          <p:cNvPr id="7" name="Picture 6">
+            <a:extLst>
+              <a:ext uri="{FF2B5EF4-FFF2-40B4-BE49-F238E27FC236}">
+                <a16:creationId xmlns:a16="http://schemas.microsoft.com/office/drawing/2014/main" id="{58334DA0-9E00-3870-3227-A1F2AAA79336}"/>
+              </a:ext>
+            </a:extLst>
+          </p:cNvPr>
+          <p:cNvPicPr>
+            <a:picLocks noChangeAspect="1"/>
+          </p:cNvPicPr>
+          <p:nvPr/>
+        </p:nvPicPr>
+        <p:blipFill>
+          <a:blip r:embed="rId5"/>
+          <a:stretch>
+            <a:fillRect/>
+          </a:stretch>
+        </p:blipFill>
+        <p:spPr>
+          <a:xfrm>
+            <a:off x="280648" y="970547"/>
+            <a:ext cx="4043920" cy="3836006"/>
+          </a:xfrm>
+          <a:prstGeom prst="rect">
+            <a:avLst/>
+          </a:prstGeom>
+        </p:spPr>
+      </p:pic>
     </p:spTree>
     <p:extLst>
       <p:ext uri="{BB962C8B-B14F-4D97-AF65-F5344CB8AC3E}">
